--- a/Presentation.pptx
+++ b/Presentation.pptx
@@ -13,8 +13,8 @@
     <p:sldId id="259" r:id="rId7"/>
     <p:sldId id="260" r:id="rId8"/>
     <p:sldId id="263" r:id="rId9"/>
-    <p:sldId id="264" r:id="rId10"/>
-    <p:sldId id="267" r:id="rId11"/>
+    <p:sldId id="267" r:id="rId10"/>
+    <p:sldId id="264" r:id="rId11"/>
     <p:sldId id="268" r:id="rId12"/>
     <p:sldId id="269" r:id="rId13"/>
     <p:sldId id="274" r:id="rId14"/>
@@ -285,7 +285,7 @@
           <a:p>
             <a:fld id="{42A5E4EF-E74E-4CA4-9416-205F85CB9E19}" type="datetimeFigureOut">
               <a:rPr lang="ru-UA" smtClean="0"/>
-              <a:t>24.05.2020</a:t>
+              <a:t>25.05.2020</a:t>
             </a:fld>
             <a:endParaRPr lang="ru-UA"/>
           </a:p>
@@ -485,7 +485,7 @@
           <a:p>
             <a:fld id="{42A5E4EF-E74E-4CA4-9416-205F85CB9E19}" type="datetimeFigureOut">
               <a:rPr lang="ru-UA" smtClean="0"/>
-              <a:t>24.05.2020</a:t>
+              <a:t>25.05.2020</a:t>
             </a:fld>
             <a:endParaRPr lang="ru-UA"/>
           </a:p>
@@ -695,7 +695,7 @@
           <a:p>
             <a:fld id="{42A5E4EF-E74E-4CA4-9416-205F85CB9E19}" type="datetimeFigureOut">
               <a:rPr lang="ru-UA" smtClean="0"/>
-              <a:t>24.05.2020</a:t>
+              <a:t>25.05.2020</a:t>
             </a:fld>
             <a:endParaRPr lang="ru-UA"/>
           </a:p>
@@ -895,7 +895,7 @@
           <a:p>
             <a:fld id="{42A5E4EF-E74E-4CA4-9416-205F85CB9E19}" type="datetimeFigureOut">
               <a:rPr lang="ru-UA" smtClean="0"/>
-              <a:t>24.05.2020</a:t>
+              <a:t>25.05.2020</a:t>
             </a:fld>
             <a:endParaRPr lang="ru-UA"/>
           </a:p>
@@ -1171,7 +1171,7 @@
           <a:p>
             <a:fld id="{42A5E4EF-E74E-4CA4-9416-205F85CB9E19}" type="datetimeFigureOut">
               <a:rPr lang="ru-UA" smtClean="0"/>
-              <a:t>24.05.2020</a:t>
+              <a:t>25.05.2020</a:t>
             </a:fld>
             <a:endParaRPr lang="ru-UA"/>
           </a:p>
@@ -1439,7 +1439,7 @@
           <a:p>
             <a:fld id="{42A5E4EF-E74E-4CA4-9416-205F85CB9E19}" type="datetimeFigureOut">
               <a:rPr lang="ru-UA" smtClean="0"/>
-              <a:t>24.05.2020</a:t>
+              <a:t>25.05.2020</a:t>
             </a:fld>
             <a:endParaRPr lang="ru-UA"/>
           </a:p>
@@ -1854,7 +1854,7 @@
           <a:p>
             <a:fld id="{42A5E4EF-E74E-4CA4-9416-205F85CB9E19}" type="datetimeFigureOut">
               <a:rPr lang="ru-UA" smtClean="0"/>
-              <a:t>24.05.2020</a:t>
+              <a:t>25.05.2020</a:t>
             </a:fld>
             <a:endParaRPr lang="ru-UA"/>
           </a:p>
@@ -1996,7 +1996,7 @@
           <a:p>
             <a:fld id="{42A5E4EF-E74E-4CA4-9416-205F85CB9E19}" type="datetimeFigureOut">
               <a:rPr lang="ru-UA" smtClean="0"/>
-              <a:t>24.05.2020</a:t>
+              <a:t>25.05.2020</a:t>
             </a:fld>
             <a:endParaRPr lang="ru-UA"/>
           </a:p>
@@ -2109,7 +2109,7 @@
           <a:p>
             <a:fld id="{42A5E4EF-E74E-4CA4-9416-205F85CB9E19}" type="datetimeFigureOut">
               <a:rPr lang="ru-UA" smtClean="0"/>
-              <a:t>24.05.2020</a:t>
+              <a:t>25.05.2020</a:t>
             </a:fld>
             <a:endParaRPr lang="ru-UA"/>
           </a:p>
@@ -2422,7 +2422,7 @@
           <a:p>
             <a:fld id="{42A5E4EF-E74E-4CA4-9416-205F85CB9E19}" type="datetimeFigureOut">
               <a:rPr lang="ru-UA" smtClean="0"/>
-              <a:t>24.05.2020</a:t>
+              <a:t>25.05.2020</a:t>
             </a:fld>
             <a:endParaRPr lang="ru-UA"/>
           </a:p>
@@ -2711,7 +2711,7 @@
           <a:p>
             <a:fld id="{42A5E4EF-E74E-4CA4-9416-205F85CB9E19}" type="datetimeFigureOut">
               <a:rPr lang="ru-UA" smtClean="0"/>
-              <a:t>24.05.2020</a:t>
+              <a:t>25.05.2020</a:t>
             </a:fld>
             <a:endParaRPr lang="ru-UA"/>
           </a:p>
@@ -2954,7 +2954,7 @@
           <a:p>
             <a:fld id="{42A5E4EF-E74E-4CA4-9416-205F85CB9E19}" type="datetimeFigureOut">
               <a:rPr lang="ru-UA" smtClean="0"/>
-              <a:t>24.05.2020</a:t>
+              <a:t>25.05.2020</a:t>
             </a:fld>
             <a:endParaRPr lang="ru-UA"/>
           </a:p>
@@ -3879,12 +3879,45 @@
           <a:chExt cx="0" cy="0"/>
         </a:xfrm>
       </p:grpSpPr>
-      <p:sp>
-        <p:nvSpPr>
-          <p:cNvPr id="6" name="Прямоугольник 5">
-            <a:extLst>
-              <a:ext uri="{FF2B5EF4-FFF2-40B4-BE49-F238E27FC236}">
-                <a16:creationId xmlns:a16="http://schemas.microsoft.com/office/drawing/2014/main" id="{0B8E4D8F-0EAC-43CC-ADBC-B3D4DDC779AB}"/>
+      <p:pic>
+        <p:nvPicPr>
+          <p:cNvPr id="16" name="Рисунок 15">
+            <a:extLst>
+              <a:ext uri="{FF2B5EF4-FFF2-40B4-BE49-F238E27FC236}">
+                <a16:creationId xmlns:a16="http://schemas.microsoft.com/office/drawing/2014/main" id="{3E3C2F88-3040-42AB-9DFB-85D77F85FAD2}"/>
+              </a:ext>
+            </a:extLst>
+          </p:cNvPr>
+          <p:cNvPicPr/>
+          <p:nvPr/>
+        </p:nvPicPr>
+        <p:blipFill>
+          <a:blip r:embed="rId2"/>
+          <a:stretch>
+            <a:fillRect/>
+          </a:stretch>
+        </p:blipFill>
+        <p:spPr>
+          <a:xfrm>
+            <a:off x="1013077" y="559463"/>
+            <a:ext cx="4306879" cy="2577099"/>
+          </a:xfrm>
+          <a:prstGeom prst="rect">
+            <a:avLst/>
+          </a:prstGeom>
+          <a:ln>
+            <a:solidFill>
+              <a:schemeClr val="tx1"/>
+            </a:solidFill>
+          </a:ln>
+        </p:spPr>
+      </p:pic>
+      <p:sp>
+        <p:nvSpPr>
+          <p:cNvPr id="5" name="Прямоугольник 4">
+            <a:extLst>
+              <a:ext uri="{FF2B5EF4-FFF2-40B4-BE49-F238E27FC236}">
+                <a16:creationId xmlns:a16="http://schemas.microsoft.com/office/drawing/2014/main" id="{3AE720F5-2360-477E-A18A-CBFEE45DC536}"/>
               </a:ext>
             </a:extLst>
           </p:cNvPr>
@@ -3893,7 +3926,7 @@
         </p:nvSpPr>
         <p:spPr>
           <a:xfrm>
-            <a:off x="-1" y="5799221"/>
+            <a:off x="0" y="5799221"/>
             <a:ext cx="12277818" cy="1058779"/>
           </a:xfrm>
           <a:prstGeom prst="rect">
@@ -4028,47 +4061,112 @@
           </a:p>
         </p:txBody>
       </p:sp>
-      <p:pic>
-        <p:nvPicPr>
-          <p:cNvPr id="4" name="Рисунок 3">
-            <a:extLst>
-              <a:ext uri="{FF2B5EF4-FFF2-40B4-BE49-F238E27FC236}">
-                <a16:creationId xmlns:a16="http://schemas.microsoft.com/office/drawing/2014/main" id="{4342CDAD-937F-44CD-8CDF-110DE21DC267}"/>
-              </a:ext>
-            </a:extLst>
-          </p:cNvPr>
-          <p:cNvPicPr>
-            <a:picLocks noChangeAspect="1"/>
-          </p:cNvPicPr>
+      <p:sp>
+        <p:nvSpPr>
+          <p:cNvPr id="7" name="TextBox 6">
+            <a:extLst>
+              <a:ext uri="{FF2B5EF4-FFF2-40B4-BE49-F238E27FC236}">
+                <a16:creationId xmlns:a16="http://schemas.microsoft.com/office/drawing/2014/main" id="{7A3FC97F-6446-49A9-9E0B-2B461595EF41}"/>
+              </a:ext>
+            </a:extLst>
+          </p:cNvPr>
+          <p:cNvSpPr txBox="1"/>
           <p:nvPr/>
-        </p:nvPicPr>
-        <p:blipFill>
-          <a:blip r:embed="rId2"/>
-          <a:stretch>
-            <a:fillRect/>
-          </a:stretch>
-        </p:blipFill>
+        </p:nvSpPr>
         <p:spPr>
           <a:xfrm>
-            <a:off x="1358462" y="1299020"/>
-            <a:ext cx="6638651" cy="3406075"/>
+            <a:off x="1446906" y="3260543"/>
+            <a:ext cx="3501984" cy="1477328"/>
           </a:xfrm>
           <a:prstGeom prst="rect">
             <a:avLst/>
           </a:prstGeom>
-          <a:ln>
-            <a:solidFill>
-              <a:schemeClr val="bg1"/>
-            </a:solidFill>
-          </a:ln>
-        </p:spPr>
-      </p:pic>
-      <p:sp>
-        <p:nvSpPr>
-          <p:cNvPr id="10" name="Прямоугольник 9">
-            <a:extLst>
-              <a:ext uri="{FF2B5EF4-FFF2-40B4-BE49-F238E27FC236}">
-                <a16:creationId xmlns:a16="http://schemas.microsoft.com/office/drawing/2014/main" id="{FDBFB191-F9BC-41E8-877A-05D3CF93AE75}"/>
+          <a:solidFill>
+            <a:schemeClr val="bg1"/>
+          </a:solidFill>
+        </p:spPr>
+        <p:txBody>
+          <a:bodyPr wrap="square" rtlCol="0">
+            <a:spAutoFit/>
+          </a:bodyPr>
+          <a:lstStyle/>
+          <a:p>
+            <a:r>
+              <a:rPr lang="en-US" b="1" i="1" dirty="0" err="1">
+                <a:solidFill>
+                  <a:srgbClr val="FF0000"/>
+                </a:solidFill>
+                <a:latin typeface="Gotham Ultra" pitchFamily="50" charset="0"/>
+                <a:cs typeface="Gotham Ultra" pitchFamily="50" charset="0"/>
+              </a:rPr>
+              <a:t>HitBorder</a:t>
+            </a:r>
+            <a:r>
+              <a:rPr lang="en-US" b="1" i="1" dirty="0">
+                <a:solidFill>
+                  <a:srgbClr val="FF0000"/>
+                </a:solidFill>
+                <a:latin typeface="Gotham Ultra" pitchFamily="50" charset="0"/>
+                <a:cs typeface="Gotham Ultra" pitchFamily="50" charset="0"/>
+              </a:rPr>
+              <a:t>() </a:t>
+            </a:r>
+            <a:r>
+              <a:rPr lang="en-US" b="1" i="1" dirty="0">
+                <a:latin typeface="Gotham Ultra" pitchFamily="50" charset="0"/>
+                <a:cs typeface="Gotham Ultra" pitchFamily="50" charset="0"/>
+              </a:rPr>
+              <a:t>subprogram</a:t>
+            </a:r>
+          </a:p>
+          <a:p>
+            <a:r>
+              <a:rPr lang="en-US" b="1" i="1" dirty="0">
+                <a:latin typeface="Gotham Ultra" pitchFamily="50" charset="0"/>
+                <a:cs typeface="Gotham Ultra" pitchFamily="50" charset="0"/>
+              </a:rPr>
+              <a:t>which controls the direction</a:t>
+            </a:r>
+          </a:p>
+          <a:p>
+            <a:r>
+              <a:rPr lang="en-US" b="1" i="1" dirty="0">
+                <a:latin typeface="Gotham Ultra" pitchFamily="50" charset="0"/>
+                <a:cs typeface="Gotham Ultra" pitchFamily="50" charset="0"/>
+              </a:rPr>
+              <a:t>of the ball while hitting one</a:t>
+            </a:r>
+          </a:p>
+          <a:p>
+            <a:r>
+              <a:rPr lang="en-US" b="1" i="1" dirty="0">
+                <a:latin typeface="Gotham Ultra" pitchFamily="50" charset="0"/>
+                <a:cs typeface="Gotham Ultra" pitchFamily="50" charset="0"/>
+              </a:rPr>
+              <a:t>of the horizontal borders of</a:t>
+            </a:r>
+          </a:p>
+          <a:p>
+            <a:r>
+              <a:rPr lang="en-US" b="1" i="1" dirty="0">
+                <a:latin typeface="Gotham Ultra" pitchFamily="50" charset="0"/>
+                <a:cs typeface="Gotham Ultra" pitchFamily="50" charset="0"/>
+              </a:rPr>
+              <a:t>the game field</a:t>
+            </a:r>
+            <a:endParaRPr lang="ru-UA" b="1" i="1" dirty="0">
+              <a:latin typeface="Gotham Ultra" pitchFamily="50" charset="0"/>
+              <a:cs typeface="Gotham Ultra" pitchFamily="50" charset="0"/>
+            </a:endParaRPr>
+          </a:p>
+        </p:txBody>
+      </p:sp>
+      <p:sp>
+        <p:nvSpPr>
+          <p:cNvPr id="11" name="Прямоугольник 10">
+            <a:extLst>
+              <a:ext uri="{FF2B5EF4-FFF2-40B4-BE49-F238E27FC236}">
+                <a16:creationId xmlns:a16="http://schemas.microsoft.com/office/drawing/2014/main" id="{0A4CA5EB-08CB-4B99-B1F7-AAF0B5CAA89A}"/>
               </a:ext>
             </a:extLst>
           </p:cNvPr>
@@ -4076,9 +4174,9 @@
           <p:nvPr/>
         </p:nvSpPr>
         <p:spPr>
-          <a:xfrm rot="16200000">
-            <a:off x="6388688" y="2907444"/>
-            <a:ext cx="3406076" cy="189224"/>
+          <a:xfrm>
+            <a:off x="1266433" y="4737871"/>
+            <a:ext cx="1985210" cy="180474"/>
           </a:xfrm>
           <a:prstGeom prst="rect">
             <a:avLst/>
@@ -4119,26 +4217,223 @@
       </p:sp>
       <p:sp>
         <p:nvSpPr>
-          <p:cNvPr id="11" name="TextBox 10">
-            <a:extLst>
-              <a:ext uri="{FF2B5EF4-FFF2-40B4-BE49-F238E27FC236}">
-                <a16:creationId xmlns:a16="http://schemas.microsoft.com/office/drawing/2014/main" id="{D6351184-CD5B-4ABC-B2A7-A144ECC0396D}"/>
-              </a:ext>
-            </a:extLst>
-          </p:cNvPr>
-          <p:cNvSpPr txBox="1"/>
+          <p:cNvPr id="12" name="Прямоугольник 11">
+            <a:extLst>
+              <a:ext uri="{FF2B5EF4-FFF2-40B4-BE49-F238E27FC236}">
+                <a16:creationId xmlns:a16="http://schemas.microsoft.com/office/drawing/2014/main" id="{A12E322B-4813-4372-B6F0-C30352E706DA}"/>
+              </a:ext>
+            </a:extLst>
+          </p:cNvPr>
+          <p:cNvSpPr/>
           <p:nvPr/>
         </p:nvSpPr>
         <p:spPr>
-          <a:xfrm>
-            <a:off x="8186338" y="1294529"/>
-            <a:ext cx="2788859" cy="3416320"/>
+          <a:xfrm rot="16200000">
+            <a:off x="378679" y="3850118"/>
+            <a:ext cx="1955981" cy="180472"/>
           </a:xfrm>
           <a:prstGeom prst="rect">
             <a:avLst/>
           </a:prstGeom>
           <a:solidFill>
-            <a:schemeClr val="tx1"/>
+            <a:srgbClr val="FF0000"/>
+          </a:solidFill>
+          <a:ln>
+            <a:solidFill>
+              <a:srgbClr val="FF0000"/>
+            </a:solidFill>
+          </a:ln>
+        </p:spPr>
+        <p:style>
+          <a:lnRef idx="2">
+            <a:schemeClr val="accent1">
+              <a:shade val="50000"/>
+            </a:schemeClr>
+          </a:lnRef>
+          <a:fillRef idx="1">
+            <a:schemeClr val="accent1"/>
+          </a:fillRef>
+          <a:effectRef idx="0">
+            <a:schemeClr val="accent1"/>
+          </a:effectRef>
+          <a:fontRef idx="minor">
+            <a:schemeClr val="lt1"/>
+          </a:fontRef>
+        </p:style>
+        <p:txBody>
+          <a:bodyPr rtlCol="0" anchor="ctr"/>
+          <a:lstStyle/>
+          <a:p>
+            <a:pPr algn="ctr"/>
+            <a:endParaRPr lang="ru-UA"/>
+          </a:p>
+        </p:txBody>
+      </p:sp>
+      <p:pic>
+        <p:nvPicPr>
+          <p:cNvPr id="2" name="Рисунок 1">
+            <a:extLst>
+              <a:ext uri="{FF2B5EF4-FFF2-40B4-BE49-F238E27FC236}">
+                <a16:creationId xmlns:a16="http://schemas.microsoft.com/office/drawing/2014/main" id="{5B785982-5661-4A84-A949-69B3A3F197FB}"/>
+              </a:ext>
+            </a:extLst>
+          </p:cNvPr>
+          <p:cNvPicPr>
+            <a:picLocks noChangeAspect="1"/>
+          </p:cNvPicPr>
+          <p:nvPr/>
+        </p:nvPicPr>
+        <p:blipFill>
+          <a:blip r:embed="rId3"/>
+          <a:stretch>
+            <a:fillRect/>
+          </a:stretch>
+        </p:blipFill>
+        <p:spPr>
+          <a:xfrm>
+            <a:off x="6657771" y="1438233"/>
+            <a:ext cx="4267796" cy="2610214"/>
+          </a:xfrm>
+          <a:prstGeom prst="rect">
+            <a:avLst/>
+          </a:prstGeom>
+          <a:ln>
+            <a:solidFill>
+              <a:schemeClr val="tx1"/>
+            </a:solidFill>
+          </a:ln>
+        </p:spPr>
+      </p:pic>
+      <p:sp>
+        <p:nvSpPr>
+          <p:cNvPr id="13" name="Прямоугольник 12">
+            <a:extLst>
+              <a:ext uri="{FF2B5EF4-FFF2-40B4-BE49-F238E27FC236}">
+                <a16:creationId xmlns:a16="http://schemas.microsoft.com/office/drawing/2014/main" id="{E98A47B4-1C2D-4358-91C2-099332BC25F8}"/>
+              </a:ext>
+            </a:extLst>
+          </p:cNvPr>
+          <p:cNvSpPr/>
+          <p:nvPr/>
+        </p:nvSpPr>
+        <p:spPr>
+          <a:xfrm>
+            <a:off x="8388890" y="5265040"/>
+            <a:ext cx="2075446" cy="165035"/>
+          </a:xfrm>
+          <a:prstGeom prst="rect">
+            <a:avLst/>
+          </a:prstGeom>
+          <a:solidFill>
+            <a:srgbClr val="FF0000"/>
+          </a:solidFill>
+          <a:ln>
+            <a:solidFill>
+              <a:srgbClr val="FF0000"/>
+            </a:solidFill>
+          </a:ln>
+        </p:spPr>
+        <p:style>
+          <a:lnRef idx="2">
+            <a:schemeClr val="accent1">
+              <a:shade val="50000"/>
+            </a:schemeClr>
+          </a:lnRef>
+          <a:fillRef idx="1">
+            <a:schemeClr val="accent1"/>
+          </a:fillRef>
+          <a:effectRef idx="0">
+            <a:schemeClr val="accent1"/>
+          </a:effectRef>
+          <a:fontRef idx="minor">
+            <a:schemeClr val="lt1"/>
+          </a:fontRef>
+        </p:style>
+        <p:txBody>
+          <a:bodyPr rtlCol="0" anchor="ctr"/>
+          <a:lstStyle/>
+          <a:p>
+            <a:pPr algn="ctr"/>
+            <a:endParaRPr lang="ru-UA"/>
+          </a:p>
+        </p:txBody>
+      </p:sp>
+      <p:sp>
+        <p:nvSpPr>
+          <p:cNvPr id="14" name="Прямоугольник 13">
+            <a:extLst>
+              <a:ext uri="{FF2B5EF4-FFF2-40B4-BE49-F238E27FC236}">
+                <a16:creationId xmlns:a16="http://schemas.microsoft.com/office/drawing/2014/main" id="{5C8F0A45-3CE3-4120-9872-C8DA6C4623DB}"/>
+              </a:ext>
+            </a:extLst>
+          </p:cNvPr>
+          <p:cNvSpPr/>
+          <p:nvPr/>
+        </p:nvSpPr>
+        <p:spPr>
+          <a:xfrm rot="16200000">
+            <a:off x="9396110" y="4345585"/>
+            <a:ext cx="1955981" cy="180471"/>
+          </a:xfrm>
+          <a:prstGeom prst="rect">
+            <a:avLst/>
+          </a:prstGeom>
+          <a:solidFill>
+            <a:srgbClr val="FF0000"/>
+          </a:solidFill>
+          <a:ln>
+            <a:solidFill>
+              <a:srgbClr val="FF0000"/>
+            </a:solidFill>
+          </a:ln>
+        </p:spPr>
+        <p:style>
+          <a:lnRef idx="2">
+            <a:schemeClr val="accent1">
+              <a:shade val="50000"/>
+            </a:schemeClr>
+          </a:lnRef>
+          <a:fillRef idx="1">
+            <a:schemeClr val="accent1"/>
+          </a:fillRef>
+          <a:effectRef idx="0">
+            <a:schemeClr val="accent1"/>
+          </a:effectRef>
+          <a:fontRef idx="minor">
+            <a:schemeClr val="lt1"/>
+          </a:fontRef>
+        </p:style>
+        <p:txBody>
+          <a:bodyPr rtlCol="0" anchor="ctr"/>
+          <a:lstStyle/>
+          <a:p>
+            <a:pPr algn="ctr"/>
+            <a:endParaRPr lang="ru-UA"/>
+          </a:p>
+        </p:txBody>
+      </p:sp>
+      <p:sp>
+        <p:nvSpPr>
+          <p:cNvPr id="15" name="TextBox 14">
+            <a:extLst>
+              <a:ext uri="{FF2B5EF4-FFF2-40B4-BE49-F238E27FC236}">
+                <a16:creationId xmlns:a16="http://schemas.microsoft.com/office/drawing/2014/main" id="{DDC01656-673F-4F17-8B4E-5B3DEEB742D7}"/>
+              </a:ext>
+            </a:extLst>
+          </p:cNvPr>
+          <p:cNvSpPr txBox="1"/>
+          <p:nvPr/>
+        </p:nvSpPr>
+        <p:spPr>
+          <a:xfrm>
+            <a:off x="6781880" y="4064711"/>
+            <a:ext cx="3501984" cy="1200329"/>
+          </a:xfrm>
+          <a:prstGeom prst="rect">
+            <a:avLst/>
+          </a:prstGeom>
+          <a:solidFill>
+            <a:schemeClr val="bg1"/>
           </a:solidFill>
         </p:spPr>
         <p:txBody>
@@ -4147,22 +4442,61 @@
           </a:bodyPr>
           <a:lstStyle/>
           <a:p>
-            <a:r>
-              <a:rPr lang="en-US" dirty="0">
-                <a:solidFill>
-                  <a:schemeClr val="bg1"/>
-                </a:solidFill>
-                <a:latin typeface="Gotham Medium" pitchFamily="50" charset="0"/>
-                <a:cs typeface="Gotham Medium" pitchFamily="50" charset="0"/>
-              </a:rPr>
-              <a:t>Each of the paddles is divided into 5 identical parts, represented as a bool method and called in a “Collision” subprogram which detects the exact numbers for the variables controlling the ball and assigns them.</a:t>
-            </a:r>
-            <a:endParaRPr lang="ru-UA" dirty="0">
-              <a:solidFill>
-                <a:schemeClr val="bg1"/>
-              </a:solidFill>
-              <a:latin typeface="Gotham Medium" pitchFamily="50" charset="0"/>
-              <a:cs typeface="Gotham Medium" pitchFamily="50" charset="0"/>
+            <a:pPr algn="r"/>
+            <a:r>
+              <a:rPr lang="en-US" b="1" i="1" dirty="0">
+                <a:solidFill>
+                  <a:srgbClr val="FF0000"/>
+                </a:solidFill>
+                <a:latin typeface="Gotham Ultra" pitchFamily="50" charset="0"/>
+                <a:cs typeface="Gotham Ultra" pitchFamily="50" charset="0"/>
+              </a:rPr>
+              <a:t>Edge() </a:t>
+            </a:r>
+            <a:r>
+              <a:rPr lang="en-US" b="1" i="1" dirty="0">
+                <a:latin typeface="Gotham Ultra" pitchFamily="50" charset="0"/>
+                <a:cs typeface="Gotham Ultra" pitchFamily="50" charset="0"/>
+              </a:rPr>
+              <a:t>method</a:t>
+            </a:r>
+            <a:r>
+              <a:rPr lang="ru-RU" b="1" i="1" dirty="0">
+                <a:latin typeface="Gotham Ultra" pitchFamily="50" charset="0"/>
+                <a:cs typeface="Gotham Ultra" pitchFamily="50" charset="0"/>
+              </a:rPr>
+              <a:t> </a:t>
+            </a:r>
+            <a:r>
+              <a:rPr lang="en-US" b="1" i="1" dirty="0">
+                <a:latin typeface="Gotham Ultra" pitchFamily="50" charset="0"/>
+                <a:cs typeface="Gotham Ultra" pitchFamily="50" charset="0"/>
+              </a:rPr>
+              <a:t>deals with</a:t>
+            </a:r>
+          </a:p>
+          <a:p>
+            <a:pPr algn="r"/>
+            <a:r>
+              <a:rPr lang="en-US" b="1" i="1" dirty="0">
+                <a:latin typeface="Gotham Ultra" pitchFamily="50" charset="0"/>
+                <a:cs typeface="Gotham Ultra" pitchFamily="50" charset="0"/>
+              </a:rPr>
+              <a:t>not letting the horizontal borders of the paddles to</a:t>
+            </a:r>
+          </a:p>
+          <a:p>
+            <a:pPr algn="r"/>
+            <a:r>
+              <a:rPr lang="en-US" b="1" i="1" dirty="0">
+                <a:latin typeface="Gotham Ultra" pitchFamily="50" charset="0"/>
+                <a:cs typeface="Gotham Ultra" pitchFamily="50" charset="0"/>
+              </a:rPr>
+              <a:t>hit the ball</a:t>
+            </a:r>
+            <a:endParaRPr lang="ru-UA" b="1" i="1" dirty="0">
+              <a:latin typeface="Gotham Ultra" pitchFamily="50" charset="0"/>
+              <a:cs typeface="Gotham Ultra" pitchFamily="50" charset="0"/>
             </a:endParaRPr>
           </a:p>
         </p:txBody>
@@ -4170,7 +4504,7 @@
     </p:spTree>
     <p:extLst>
       <p:ext uri="{BB962C8B-B14F-4D97-AF65-F5344CB8AC3E}">
-        <p14:creationId xmlns:p14="http://schemas.microsoft.com/office/powerpoint/2010/main" val="1172563168"/>
+        <p14:creationId xmlns:p14="http://schemas.microsoft.com/office/powerpoint/2010/main" val="3691121121"/>
       </p:ext>
     </p:extLst>
   </p:cSld>
@@ -8384,7 +8718,7 @@
           <a:graphicData uri="http://schemas.openxmlformats.org/presentationml/2006/ole">
             <mc:AlternateContent xmlns:mc="http://schemas.openxmlformats.org/markup-compatibility/2006">
               <mc:Choice xmlns:v="urn:schemas-microsoft-com:vml" Requires="v">
-                <p:oleObj spid="_x0000_s3090" r:id="rId3" imgW="24380640" imgH="13714200" progId="">
+                <p:oleObj spid="_x0000_s3093" r:id="rId3" imgW="24380640" imgH="13714200" progId="">
                   <p:embed/>
                 </p:oleObj>
               </mc:Choice>
@@ -10428,45 +10762,12 @@
           <a:chExt cx="0" cy="0"/>
         </a:xfrm>
       </p:grpSpPr>
-      <p:pic>
-        <p:nvPicPr>
-          <p:cNvPr id="16" name="Рисунок 15">
-            <a:extLst>
-              <a:ext uri="{FF2B5EF4-FFF2-40B4-BE49-F238E27FC236}">
-                <a16:creationId xmlns:a16="http://schemas.microsoft.com/office/drawing/2014/main" id="{3E3C2F88-3040-42AB-9DFB-85D77F85FAD2}"/>
-              </a:ext>
-            </a:extLst>
-          </p:cNvPr>
-          <p:cNvPicPr/>
-          <p:nvPr/>
-        </p:nvPicPr>
-        <p:blipFill>
-          <a:blip r:embed="rId2"/>
-          <a:stretch>
-            <a:fillRect/>
-          </a:stretch>
-        </p:blipFill>
-        <p:spPr>
-          <a:xfrm>
-            <a:off x="1013077" y="559463"/>
-            <a:ext cx="4306879" cy="2577099"/>
-          </a:xfrm>
-          <a:prstGeom prst="rect">
-            <a:avLst/>
-          </a:prstGeom>
-          <a:ln>
-            <a:solidFill>
-              <a:schemeClr val="tx1"/>
-            </a:solidFill>
-          </a:ln>
-        </p:spPr>
-      </p:pic>
-      <p:sp>
-        <p:nvSpPr>
-          <p:cNvPr id="5" name="Прямоугольник 4">
-            <a:extLst>
-              <a:ext uri="{FF2B5EF4-FFF2-40B4-BE49-F238E27FC236}">
-                <a16:creationId xmlns:a16="http://schemas.microsoft.com/office/drawing/2014/main" id="{3AE720F5-2360-477E-A18A-CBFEE45DC536}"/>
+      <p:sp>
+        <p:nvSpPr>
+          <p:cNvPr id="6" name="Прямоугольник 5">
+            <a:extLst>
+              <a:ext uri="{FF2B5EF4-FFF2-40B4-BE49-F238E27FC236}">
+                <a16:creationId xmlns:a16="http://schemas.microsoft.com/office/drawing/2014/main" id="{0B8E4D8F-0EAC-43CC-ADBC-B3D4DDC779AB}"/>
               </a:ext>
             </a:extLst>
           </p:cNvPr>
@@ -10475,7 +10776,7 @@
         </p:nvSpPr>
         <p:spPr>
           <a:xfrm>
-            <a:off x="0" y="5799221"/>
+            <a:off x="-1" y="5799221"/>
             <a:ext cx="12277818" cy="1058779"/>
           </a:xfrm>
           <a:prstGeom prst="rect">
@@ -10610,112 +10911,47 @@
           </a:p>
         </p:txBody>
       </p:sp>
-      <p:sp>
-        <p:nvSpPr>
-          <p:cNvPr id="7" name="TextBox 6">
-            <a:extLst>
-              <a:ext uri="{FF2B5EF4-FFF2-40B4-BE49-F238E27FC236}">
-                <a16:creationId xmlns:a16="http://schemas.microsoft.com/office/drawing/2014/main" id="{7A3FC97F-6446-49A9-9E0B-2B461595EF41}"/>
-              </a:ext>
-            </a:extLst>
-          </p:cNvPr>
-          <p:cNvSpPr txBox="1"/>
+      <p:pic>
+        <p:nvPicPr>
+          <p:cNvPr id="4" name="Рисунок 3">
+            <a:extLst>
+              <a:ext uri="{FF2B5EF4-FFF2-40B4-BE49-F238E27FC236}">
+                <a16:creationId xmlns:a16="http://schemas.microsoft.com/office/drawing/2014/main" id="{4342CDAD-937F-44CD-8CDF-110DE21DC267}"/>
+              </a:ext>
+            </a:extLst>
+          </p:cNvPr>
+          <p:cNvPicPr>
+            <a:picLocks noChangeAspect="1"/>
+          </p:cNvPicPr>
           <p:nvPr/>
-        </p:nvSpPr>
+        </p:nvPicPr>
+        <p:blipFill>
+          <a:blip r:embed="rId2"/>
+          <a:stretch>
+            <a:fillRect/>
+          </a:stretch>
+        </p:blipFill>
         <p:spPr>
           <a:xfrm>
-            <a:off x="1446906" y="3260543"/>
-            <a:ext cx="3501984" cy="1477328"/>
+            <a:off x="1358462" y="1299020"/>
+            <a:ext cx="6638651" cy="3406075"/>
           </a:xfrm>
           <a:prstGeom prst="rect">
             <a:avLst/>
           </a:prstGeom>
-          <a:solidFill>
-            <a:schemeClr val="bg1"/>
-          </a:solidFill>
-        </p:spPr>
-        <p:txBody>
-          <a:bodyPr wrap="square" rtlCol="0">
-            <a:spAutoFit/>
-          </a:bodyPr>
-          <a:lstStyle/>
-          <a:p>
-            <a:r>
-              <a:rPr lang="en-US" b="1" i="1" dirty="0" err="1">
-                <a:solidFill>
-                  <a:srgbClr val="FF0000"/>
-                </a:solidFill>
-                <a:latin typeface="Gotham Ultra" pitchFamily="50" charset="0"/>
-                <a:cs typeface="Gotham Ultra" pitchFamily="50" charset="0"/>
-              </a:rPr>
-              <a:t>HitBorder</a:t>
-            </a:r>
-            <a:r>
-              <a:rPr lang="en-US" b="1" i="1" dirty="0">
-                <a:solidFill>
-                  <a:srgbClr val="FF0000"/>
-                </a:solidFill>
-                <a:latin typeface="Gotham Ultra" pitchFamily="50" charset="0"/>
-                <a:cs typeface="Gotham Ultra" pitchFamily="50" charset="0"/>
-              </a:rPr>
-              <a:t>() </a:t>
-            </a:r>
-            <a:r>
-              <a:rPr lang="en-US" b="1" i="1" dirty="0">
-                <a:latin typeface="Gotham Ultra" pitchFamily="50" charset="0"/>
-                <a:cs typeface="Gotham Ultra" pitchFamily="50" charset="0"/>
-              </a:rPr>
-              <a:t>subprogram</a:t>
-            </a:r>
-          </a:p>
-          <a:p>
-            <a:r>
-              <a:rPr lang="en-US" b="1" i="1" dirty="0">
-                <a:latin typeface="Gotham Ultra" pitchFamily="50" charset="0"/>
-                <a:cs typeface="Gotham Ultra" pitchFamily="50" charset="0"/>
-              </a:rPr>
-              <a:t>which controls the direction</a:t>
-            </a:r>
-          </a:p>
-          <a:p>
-            <a:r>
-              <a:rPr lang="en-US" b="1" i="1" dirty="0">
-                <a:latin typeface="Gotham Ultra" pitchFamily="50" charset="0"/>
-                <a:cs typeface="Gotham Ultra" pitchFamily="50" charset="0"/>
-              </a:rPr>
-              <a:t>of the ball while hitting one</a:t>
-            </a:r>
-          </a:p>
-          <a:p>
-            <a:r>
-              <a:rPr lang="en-US" b="1" i="1" dirty="0">
-                <a:latin typeface="Gotham Ultra" pitchFamily="50" charset="0"/>
-                <a:cs typeface="Gotham Ultra" pitchFamily="50" charset="0"/>
-              </a:rPr>
-              <a:t>of the horizontal borders of</a:t>
-            </a:r>
-          </a:p>
-          <a:p>
-            <a:r>
-              <a:rPr lang="en-US" b="1" i="1" dirty="0">
-                <a:latin typeface="Gotham Ultra" pitchFamily="50" charset="0"/>
-                <a:cs typeface="Gotham Ultra" pitchFamily="50" charset="0"/>
-              </a:rPr>
-              <a:t>the game field</a:t>
-            </a:r>
-            <a:endParaRPr lang="ru-UA" b="1" i="1" dirty="0">
-              <a:latin typeface="Gotham Ultra" pitchFamily="50" charset="0"/>
-              <a:cs typeface="Gotham Ultra" pitchFamily="50" charset="0"/>
-            </a:endParaRPr>
-          </a:p>
-        </p:txBody>
-      </p:sp>
-      <p:sp>
-        <p:nvSpPr>
-          <p:cNvPr id="11" name="Прямоугольник 10">
-            <a:extLst>
-              <a:ext uri="{FF2B5EF4-FFF2-40B4-BE49-F238E27FC236}">
-                <a16:creationId xmlns:a16="http://schemas.microsoft.com/office/drawing/2014/main" id="{0A4CA5EB-08CB-4B99-B1F7-AAF0B5CAA89A}"/>
+          <a:ln>
+            <a:solidFill>
+              <a:schemeClr val="bg1"/>
+            </a:solidFill>
+          </a:ln>
+        </p:spPr>
+      </p:pic>
+      <p:sp>
+        <p:nvSpPr>
+          <p:cNvPr id="10" name="Прямоугольник 9">
+            <a:extLst>
+              <a:ext uri="{FF2B5EF4-FFF2-40B4-BE49-F238E27FC236}">
+                <a16:creationId xmlns:a16="http://schemas.microsoft.com/office/drawing/2014/main" id="{FDBFB191-F9BC-41E8-877A-05D3CF93AE75}"/>
               </a:ext>
             </a:extLst>
           </p:cNvPr>
@@ -10723,9 +10959,9 @@
           <p:nvPr/>
         </p:nvSpPr>
         <p:spPr>
-          <a:xfrm>
-            <a:off x="1266433" y="4737871"/>
-            <a:ext cx="1985210" cy="180474"/>
+          <a:xfrm rot="16200000">
+            <a:off x="6388688" y="2907444"/>
+            <a:ext cx="3406076" cy="189224"/>
           </a:xfrm>
           <a:prstGeom prst="rect">
             <a:avLst/>
@@ -10766,223 +11002,26 @@
       </p:sp>
       <p:sp>
         <p:nvSpPr>
-          <p:cNvPr id="12" name="Прямоугольник 11">
-            <a:extLst>
-              <a:ext uri="{FF2B5EF4-FFF2-40B4-BE49-F238E27FC236}">
-                <a16:creationId xmlns:a16="http://schemas.microsoft.com/office/drawing/2014/main" id="{A12E322B-4813-4372-B6F0-C30352E706DA}"/>
-              </a:ext>
-            </a:extLst>
-          </p:cNvPr>
-          <p:cNvSpPr/>
+          <p:cNvPr id="11" name="TextBox 10">
+            <a:extLst>
+              <a:ext uri="{FF2B5EF4-FFF2-40B4-BE49-F238E27FC236}">
+                <a16:creationId xmlns:a16="http://schemas.microsoft.com/office/drawing/2014/main" id="{D6351184-CD5B-4ABC-B2A7-A144ECC0396D}"/>
+              </a:ext>
+            </a:extLst>
+          </p:cNvPr>
+          <p:cNvSpPr txBox="1"/>
           <p:nvPr/>
         </p:nvSpPr>
         <p:spPr>
-          <a:xfrm rot="16200000">
-            <a:off x="378679" y="3850118"/>
-            <a:ext cx="1955981" cy="180472"/>
+          <a:xfrm>
+            <a:off x="8186338" y="1294529"/>
+            <a:ext cx="2788859" cy="3416320"/>
           </a:xfrm>
           <a:prstGeom prst="rect">
             <a:avLst/>
           </a:prstGeom>
           <a:solidFill>
-            <a:srgbClr val="FF0000"/>
-          </a:solidFill>
-          <a:ln>
-            <a:solidFill>
-              <a:srgbClr val="FF0000"/>
-            </a:solidFill>
-          </a:ln>
-        </p:spPr>
-        <p:style>
-          <a:lnRef idx="2">
-            <a:schemeClr val="accent1">
-              <a:shade val="50000"/>
-            </a:schemeClr>
-          </a:lnRef>
-          <a:fillRef idx="1">
-            <a:schemeClr val="accent1"/>
-          </a:fillRef>
-          <a:effectRef idx="0">
-            <a:schemeClr val="accent1"/>
-          </a:effectRef>
-          <a:fontRef idx="minor">
-            <a:schemeClr val="lt1"/>
-          </a:fontRef>
-        </p:style>
-        <p:txBody>
-          <a:bodyPr rtlCol="0" anchor="ctr"/>
-          <a:lstStyle/>
-          <a:p>
-            <a:pPr algn="ctr"/>
-            <a:endParaRPr lang="ru-UA"/>
-          </a:p>
-        </p:txBody>
-      </p:sp>
-      <p:pic>
-        <p:nvPicPr>
-          <p:cNvPr id="2" name="Рисунок 1">
-            <a:extLst>
-              <a:ext uri="{FF2B5EF4-FFF2-40B4-BE49-F238E27FC236}">
-                <a16:creationId xmlns:a16="http://schemas.microsoft.com/office/drawing/2014/main" id="{5B785982-5661-4A84-A949-69B3A3F197FB}"/>
-              </a:ext>
-            </a:extLst>
-          </p:cNvPr>
-          <p:cNvPicPr>
-            <a:picLocks noChangeAspect="1"/>
-          </p:cNvPicPr>
-          <p:nvPr/>
-        </p:nvPicPr>
-        <p:blipFill>
-          <a:blip r:embed="rId3"/>
-          <a:stretch>
-            <a:fillRect/>
-          </a:stretch>
-        </p:blipFill>
-        <p:spPr>
-          <a:xfrm>
-            <a:off x="6657771" y="1438233"/>
-            <a:ext cx="4267796" cy="2610214"/>
-          </a:xfrm>
-          <a:prstGeom prst="rect">
-            <a:avLst/>
-          </a:prstGeom>
-          <a:ln>
-            <a:solidFill>
-              <a:schemeClr val="tx1"/>
-            </a:solidFill>
-          </a:ln>
-        </p:spPr>
-      </p:pic>
-      <p:sp>
-        <p:nvSpPr>
-          <p:cNvPr id="13" name="Прямоугольник 12">
-            <a:extLst>
-              <a:ext uri="{FF2B5EF4-FFF2-40B4-BE49-F238E27FC236}">
-                <a16:creationId xmlns:a16="http://schemas.microsoft.com/office/drawing/2014/main" id="{E98A47B4-1C2D-4358-91C2-099332BC25F8}"/>
-              </a:ext>
-            </a:extLst>
-          </p:cNvPr>
-          <p:cNvSpPr/>
-          <p:nvPr/>
-        </p:nvSpPr>
-        <p:spPr>
-          <a:xfrm>
-            <a:off x="8388890" y="5265040"/>
-            <a:ext cx="2075446" cy="165035"/>
-          </a:xfrm>
-          <a:prstGeom prst="rect">
-            <a:avLst/>
-          </a:prstGeom>
-          <a:solidFill>
-            <a:srgbClr val="FF0000"/>
-          </a:solidFill>
-          <a:ln>
-            <a:solidFill>
-              <a:srgbClr val="FF0000"/>
-            </a:solidFill>
-          </a:ln>
-        </p:spPr>
-        <p:style>
-          <a:lnRef idx="2">
-            <a:schemeClr val="accent1">
-              <a:shade val="50000"/>
-            </a:schemeClr>
-          </a:lnRef>
-          <a:fillRef idx="1">
-            <a:schemeClr val="accent1"/>
-          </a:fillRef>
-          <a:effectRef idx="0">
-            <a:schemeClr val="accent1"/>
-          </a:effectRef>
-          <a:fontRef idx="minor">
-            <a:schemeClr val="lt1"/>
-          </a:fontRef>
-        </p:style>
-        <p:txBody>
-          <a:bodyPr rtlCol="0" anchor="ctr"/>
-          <a:lstStyle/>
-          <a:p>
-            <a:pPr algn="ctr"/>
-            <a:endParaRPr lang="ru-UA"/>
-          </a:p>
-        </p:txBody>
-      </p:sp>
-      <p:sp>
-        <p:nvSpPr>
-          <p:cNvPr id="14" name="Прямоугольник 13">
-            <a:extLst>
-              <a:ext uri="{FF2B5EF4-FFF2-40B4-BE49-F238E27FC236}">
-                <a16:creationId xmlns:a16="http://schemas.microsoft.com/office/drawing/2014/main" id="{5C8F0A45-3CE3-4120-9872-C8DA6C4623DB}"/>
-              </a:ext>
-            </a:extLst>
-          </p:cNvPr>
-          <p:cNvSpPr/>
-          <p:nvPr/>
-        </p:nvSpPr>
-        <p:spPr>
-          <a:xfrm rot="16200000">
-            <a:off x="9396110" y="4345585"/>
-            <a:ext cx="1955981" cy="180471"/>
-          </a:xfrm>
-          <a:prstGeom prst="rect">
-            <a:avLst/>
-          </a:prstGeom>
-          <a:solidFill>
-            <a:srgbClr val="FF0000"/>
-          </a:solidFill>
-          <a:ln>
-            <a:solidFill>
-              <a:srgbClr val="FF0000"/>
-            </a:solidFill>
-          </a:ln>
-        </p:spPr>
-        <p:style>
-          <a:lnRef idx="2">
-            <a:schemeClr val="accent1">
-              <a:shade val="50000"/>
-            </a:schemeClr>
-          </a:lnRef>
-          <a:fillRef idx="1">
-            <a:schemeClr val="accent1"/>
-          </a:fillRef>
-          <a:effectRef idx="0">
-            <a:schemeClr val="accent1"/>
-          </a:effectRef>
-          <a:fontRef idx="minor">
-            <a:schemeClr val="lt1"/>
-          </a:fontRef>
-        </p:style>
-        <p:txBody>
-          <a:bodyPr rtlCol="0" anchor="ctr"/>
-          <a:lstStyle/>
-          <a:p>
-            <a:pPr algn="ctr"/>
-            <a:endParaRPr lang="ru-UA"/>
-          </a:p>
-        </p:txBody>
-      </p:sp>
-      <p:sp>
-        <p:nvSpPr>
-          <p:cNvPr id="15" name="TextBox 14">
-            <a:extLst>
-              <a:ext uri="{FF2B5EF4-FFF2-40B4-BE49-F238E27FC236}">
-                <a16:creationId xmlns:a16="http://schemas.microsoft.com/office/drawing/2014/main" id="{DDC01656-673F-4F17-8B4E-5B3DEEB742D7}"/>
-              </a:ext>
-            </a:extLst>
-          </p:cNvPr>
-          <p:cNvSpPr txBox="1"/>
-          <p:nvPr/>
-        </p:nvSpPr>
-        <p:spPr>
-          <a:xfrm>
-            <a:off x="6781880" y="4064711"/>
-            <a:ext cx="3501984" cy="1200329"/>
-          </a:xfrm>
-          <a:prstGeom prst="rect">
-            <a:avLst/>
-          </a:prstGeom>
-          <a:solidFill>
-            <a:schemeClr val="bg1"/>
+            <a:schemeClr val="tx1"/>
           </a:solidFill>
         </p:spPr>
         <p:txBody>
@@ -10991,61 +11030,22 @@
           </a:bodyPr>
           <a:lstStyle/>
           <a:p>
-            <a:pPr algn="r"/>
-            <a:r>
-              <a:rPr lang="en-US" b="1" i="1" dirty="0">
-                <a:solidFill>
-                  <a:srgbClr val="FF0000"/>
-                </a:solidFill>
-                <a:latin typeface="Gotham Ultra" pitchFamily="50" charset="0"/>
-                <a:cs typeface="Gotham Ultra" pitchFamily="50" charset="0"/>
-              </a:rPr>
-              <a:t>Edge() </a:t>
-            </a:r>
-            <a:r>
-              <a:rPr lang="en-US" b="1" i="1" dirty="0">
-                <a:latin typeface="Gotham Ultra" pitchFamily="50" charset="0"/>
-                <a:cs typeface="Gotham Ultra" pitchFamily="50" charset="0"/>
-              </a:rPr>
-              <a:t>method</a:t>
-            </a:r>
-            <a:r>
-              <a:rPr lang="ru-RU" b="1" i="1" dirty="0">
-                <a:latin typeface="Gotham Ultra" pitchFamily="50" charset="0"/>
-                <a:cs typeface="Gotham Ultra" pitchFamily="50" charset="0"/>
-              </a:rPr>
-              <a:t> </a:t>
-            </a:r>
-            <a:r>
-              <a:rPr lang="en-US" b="1" i="1" dirty="0">
-                <a:latin typeface="Gotham Ultra" pitchFamily="50" charset="0"/>
-                <a:cs typeface="Gotham Ultra" pitchFamily="50" charset="0"/>
-              </a:rPr>
-              <a:t>deals with</a:t>
-            </a:r>
-          </a:p>
-          <a:p>
-            <a:pPr algn="r"/>
-            <a:r>
-              <a:rPr lang="en-US" b="1" i="1" dirty="0">
-                <a:latin typeface="Gotham Ultra" pitchFamily="50" charset="0"/>
-                <a:cs typeface="Gotham Ultra" pitchFamily="50" charset="0"/>
-              </a:rPr>
-              <a:t>not letting the horizontal borders of the paddles to</a:t>
-            </a:r>
-          </a:p>
-          <a:p>
-            <a:pPr algn="r"/>
-            <a:r>
-              <a:rPr lang="en-US" b="1" i="1" dirty="0">
-                <a:latin typeface="Gotham Ultra" pitchFamily="50" charset="0"/>
-                <a:cs typeface="Gotham Ultra" pitchFamily="50" charset="0"/>
-              </a:rPr>
-              <a:t>hit the ball</a:t>
-            </a:r>
-            <a:endParaRPr lang="ru-UA" b="1" i="1" dirty="0">
-              <a:latin typeface="Gotham Ultra" pitchFamily="50" charset="0"/>
-              <a:cs typeface="Gotham Ultra" pitchFamily="50" charset="0"/>
+            <a:r>
+              <a:rPr lang="en-US" dirty="0">
+                <a:solidFill>
+                  <a:schemeClr val="bg1"/>
+                </a:solidFill>
+                <a:latin typeface="Gotham Medium" pitchFamily="50" charset="0"/>
+                <a:cs typeface="Gotham Medium" pitchFamily="50" charset="0"/>
+              </a:rPr>
+              <a:t>Each of the paddles is divided into 5 identical parts, represented as a bool method and called in a “Collision” subprogram which detects the exact numbers for the variables controlling the ball and assigns them.</a:t>
+            </a:r>
+            <a:endParaRPr lang="ru-UA" dirty="0">
+              <a:solidFill>
+                <a:schemeClr val="bg1"/>
+              </a:solidFill>
+              <a:latin typeface="Gotham Medium" pitchFamily="50" charset="0"/>
+              <a:cs typeface="Gotham Medium" pitchFamily="50" charset="0"/>
             </a:endParaRPr>
           </a:p>
         </p:txBody>
@@ -11053,7 +11053,7 @@
     </p:spTree>
     <p:extLst>
       <p:ext uri="{BB962C8B-B14F-4D97-AF65-F5344CB8AC3E}">
-        <p14:creationId xmlns:p14="http://schemas.microsoft.com/office/powerpoint/2010/main" val="3691121121"/>
+        <p14:creationId xmlns:p14="http://schemas.microsoft.com/office/powerpoint/2010/main" val="1172563168"/>
       </p:ext>
     </p:extLst>
   </p:cSld>
